--- a/A_project/A조 마법의 공식 뾰로롱.pptx
+++ b/A_project/A조 마법의 공식 뾰로롱.pptx
@@ -2980,7 +2980,7 @@
           <a:p>
             <a:fld id="{2D3B56B5-DBE1-4DE0-B782-58E67217B0B7}" type="datetimeFigureOut">
               <a:rPr lang="ko-KR" altLang="en-US" smtClean="0"/>
-              <a:t>2022-02-15</a:t>
+              <a:t>2022-02-16</a:t>
             </a:fld>
             <a:endParaRPr lang="ko-KR" altLang="en-US"/>
           </a:p>
@@ -3233,7 +3233,7 @@
           <a:p>
             <a:fld id="{2D3B56B5-DBE1-4DE0-B782-58E67217B0B7}" type="datetimeFigureOut">
               <a:rPr lang="ko-KR" altLang="en-US" smtClean="0"/>
-              <a:t>2022-02-15</a:t>
+              <a:t>2022-02-16</a:t>
             </a:fld>
             <a:endParaRPr lang="ko-KR" altLang="en-US"/>
           </a:p>
@@ -3441,7 +3441,7 @@
           <a:p>
             <a:fld id="{2D3B56B5-DBE1-4DE0-B782-58E67217B0B7}" type="datetimeFigureOut">
               <a:rPr lang="ko-KR" altLang="en-US" smtClean="0"/>
-              <a:t>2022-02-15</a:t>
+              <a:t>2022-02-16</a:t>
             </a:fld>
             <a:endParaRPr lang="ko-KR" altLang="en-US"/>
           </a:p>
@@ -3639,7 +3639,7 @@
           <a:p>
             <a:fld id="{2D3B56B5-DBE1-4DE0-B782-58E67217B0B7}" type="datetimeFigureOut">
               <a:rPr lang="ko-KR" altLang="en-US" smtClean="0"/>
-              <a:t>2022-02-15</a:t>
+              <a:t>2022-02-16</a:t>
             </a:fld>
             <a:endParaRPr lang="ko-KR" altLang="en-US"/>
           </a:p>
@@ -3914,7 +3914,7 @@
           <a:p>
             <a:fld id="{2D3B56B5-DBE1-4DE0-B782-58E67217B0B7}" type="datetimeFigureOut">
               <a:rPr lang="ko-KR" altLang="en-US" smtClean="0"/>
-              <a:t>2022-02-15</a:t>
+              <a:t>2022-02-16</a:t>
             </a:fld>
             <a:endParaRPr lang="ko-KR" altLang="en-US"/>
           </a:p>
@@ -4179,7 +4179,7 @@
           <a:p>
             <a:fld id="{2D3B56B5-DBE1-4DE0-B782-58E67217B0B7}" type="datetimeFigureOut">
               <a:rPr lang="ko-KR" altLang="en-US" smtClean="0"/>
-              <a:t>2022-02-15</a:t>
+              <a:t>2022-02-16</a:t>
             </a:fld>
             <a:endParaRPr lang="ko-KR" altLang="en-US"/>
           </a:p>
@@ -4591,7 +4591,7 @@
           <a:p>
             <a:fld id="{2D3B56B5-DBE1-4DE0-B782-58E67217B0B7}" type="datetimeFigureOut">
               <a:rPr lang="ko-KR" altLang="en-US" smtClean="0"/>
-              <a:t>2022-02-15</a:t>
+              <a:t>2022-02-16</a:t>
             </a:fld>
             <a:endParaRPr lang="ko-KR" altLang="en-US"/>
           </a:p>
@@ -4732,7 +4732,7 @@
           <a:p>
             <a:fld id="{2D3B56B5-DBE1-4DE0-B782-58E67217B0B7}" type="datetimeFigureOut">
               <a:rPr lang="ko-KR" altLang="en-US" smtClean="0"/>
-              <a:t>2022-02-15</a:t>
+              <a:t>2022-02-16</a:t>
             </a:fld>
             <a:endParaRPr lang="ko-KR" altLang="en-US"/>
           </a:p>
@@ -4845,7 +4845,7 @@
           <a:p>
             <a:fld id="{2D3B56B5-DBE1-4DE0-B782-58E67217B0B7}" type="datetimeFigureOut">
               <a:rPr lang="ko-KR" altLang="en-US" smtClean="0"/>
-              <a:t>2022-02-15</a:t>
+              <a:t>2022-02-16</a:t>
             </a:fld>
             <a:endParaRPr lang="ko-KR" altLang="en-US"/>
           </a:p>
@@ -5156,7 +5156,7 @@
           <a:p>
             <a:fld id="{2D3B56B5-DBE1-4DE0-B782-58E67217B0B7}" type="datetimeFigureOut">
               <a:rPr lang="ko-KR" altLang="en-US" smtClean="0"/>
-              <a:t>2022-02-15</a:t>
+              <a:t>2022-02-16</a:t>
             </a:fld>
             <a:endParaRPr lang="ko-KR" altLang="en-US"/>
           </a:p>
@@ -5444,7 +5444,7 @@
           <a:p>
             <a:fld id="{2D3B56B5-DBE1-4DE0-B782-58E67217B0B7}" type="datetimeFigureOut">
               <a:rPr lang="ko-KR" altLang="en-US" smtClean="0"/>
-              <a:t>2022-02-15</a:t>
+              <a:t>2022-02-16</a:t>
             </a:fld>
             <a:endParaRPr lang="ko-KR" altLang="en-US"/>
           </a:p>
@@ -5685,7 +5685,7 @@
           <a:p>
             <a:fld id="{2D3B56B5-DBE1-4DE0-B782-58E67217B0B7}" type="datetimeFigureOut">
               <a:rPr lang="ko-KR" altLang="en-US" smtClean="0"/>
-              <a:t>2022-02-15</a:t>
+              <a:t>2022-02-16</a:t>
             </a:fld>
             <a:endParaRPr lang="ko-KR" altLang="en-US"/>
           </a:p>
